--- a/Project/Border_Defence_Presentation.pptx
+++ b/Project/Border_Defence_Presentation.pptx
@@ -3632,13 +3632,13 @@
   <p:clrMapOvr>
     <a:masterClrMapping/>
   </p:clrMapOvr>
-  <mc:AlternateContent xmlns:mc="http://schemas.openxmlformats.org/markup-compatibility/2006">
-    <mc:Choice xmlns:p14="http://schemas.microsoft.com/office/powerpoint/2010/main" Requires="p14">
+  <mc:AlternateContent xmlns:mc="http://schemas.openxmlformats.org/markup-compatibility/2006" xmlns:p14="http://schemas.microsoft.com/office/powerpoint/2010/main">
+    <mc:Choice Requires="p14">
       <p:transition spd="slow" p14:dur="1500">
         <p:split orient="vert"/>
       </p:transition>
     </mc:Choice>
-    <mc:Fallback>
+    <mc:Fallback xmlns="">
       <p:transition spd="slow">
         <p:split orient="vert"/>
       </p:transition>
@@ -4388,13 +4388,13 @@
   <p:clrMapOvr>
     <a:masterClrMapping/>
   </p:clrMapOvr>
-  <mc:AlternateContent xmlns:mc="http://schemas.openxmlformats.org/markup-compatibility/2006">
-    <mc:Choice xmlns:p14="http://schemas.microsoft.com/office/powerpoint/2010/main" Requires="p14">
+  <mc:AlternateContent xmlns:mc="http://schemas.openxmlformats.org/markup-compatibility/2006" xmlns:p14="http://schemas.microsoft.com/office/powerpoint/2010/main">
+    <mc:Choice Requires="p14">
       <p:transition spd="slow" p14:dur="2000">
         <p14:prism isContent="1"/>
       </p:transition>
     </mc:Choice>
-    <mc:Fallback>
+    <mc:Fallback xmlns="">
       <p:transition spd="slow">
         <p:fade/>
       </p:transition>
@@ -5156,13 +5156,13 @@
   <p:clrMapOvr>
     <a:masterClrMapping/>
   </p:clrMapOvr>
-  <mc:AlternateContent xmlns:mc="http://schemas.openxmlformats.org/markup-compatibility/2006">
-    <mc:Choice xmlns:p14="http://schemas.microsoft.com/office/powerpoint/2010/main" Requires="p14">
+  <mc:AlternateContent xmlns:mc="http://schemas.openxmlformats.org/markup-compatibility/2006" xmlns:p14="http://schemas.microsoft.com/office/powerpoint/2010/main">
+    <mc:Choice Requires="p14">
       <p:transition spd="slow" p14:dur="1500">
         <p14:window dir="vert"/>
       </p:transition>
     </mc:Choice>
-    <mc:Fallback>
+    <mc:Fallback xmlns="">
       <p:transition spd="slow">
         <p:fade/>
       </p:transition>
@@ -7330,7 +7330,7 @@
         </p:nvSpPr>
         <p:spPr>
           <a:xfrm>
-            <a:off x="731520" y="3566160"/>
+            <a:off x="735945" y="3589758"/>
             <a:ext cx="365760" cy="365760"/>
           </a:xfrm>
           <a:prstGeom prst="ellipse">
@@ -7458,7 +7458,7 @@
         </p:nvSpPr>
         <p:spPr>
           <a:xfrm>
-            <a:off x="822960" y="3977640"/>
+            <a:off x="822960" y="3985014"/>
             <a:ext cx="182880" cy="137160"/>
           </a:xfrm>
           <a:prstGeom prst="rect">
@@ -7639,13 +7639,13 @@
   <p:clrMapOvr>
     <a:masterClrMapping/>
   </p:clrMapOvr>
-  <mc:AlternateContent xmlns:mc="http://schemas.openxmlformats.org/markup-compatibility/2006">
-    <mc:Choice xmlns:p14="http://schemas.microsoft.com/office/powerpoint/2010/main" Requires="p14">
+  <mc:AlternateContent xmlns:mc="http://schemas.openxmlformats.org/markup-compatibility/2006" xmlns:p14="http://schemas.microsoft.com/office/powerpoint/2010/main">
+    <mc:Choice Requires="p14">
       <p:transition spd="slow" p14:dur="1250">
         <p14:flip dir="r"/>
       </p:transition>
     </mc:Choice>
-    <mc:Fallback>
+    <mc:Fallback xmlns="">
       <p:transition spd="slow">
         <p:fade/>
       </p:transition>
@@ -8443,13 +8443,13 @@
   <p:clrMapOvr>
     <a:masterClrMapping/>
   </p:clrMapOvr>
-  <mc:AlternateContent xmlns:mc="http://schemas.openxmlformats.org/markup-compatibility/2006">
-    <mc:Choice xmlns:p14="http://schemas.microsoft.com/office/powerpoint/2010/main" Requires="p14">
+  <mc:AlternateContent xmlns:mc="http://schemas.openxmlformats.org/markup-compatibility/2006" xmlns:p14="http://schemas.microsoft.com/office/powerpoint/2010/main">
+    <mc:Choice Requires="p14">
       <p:transition spd="slow" p14:dur="1600">
         <p14:conveyor dir="l"/>
       </p:transition>
     </mc:Choice>
-    <mc:Fallback>
+    <mc:Fallback xmlns="">
       <p:transition spd="slow">
         <p:fade/>
       </p:transition>
@@ -9583,13 +9583,13 @@
   <p:clrMapOvr>
     <a:masterClrMapping/>
   </p:clrMapOvr>
-  <mc:AlternateContent xmlns:mc="http://schemas.openxmlformats.org/markup-compatibility/2006">
-    <mc:Choice xmlns:p14="http://schemas.microsoft.com/office/powerpoint/2010/main" Requires="p14">
+  <mc:AlternateContent xmlns:mc="http://schemas.openxmlformats.org/markup-compatibility/2006" xmlns:p14="http://schemas.microsoft.com/office/powerpoint/2010/main">
+    <mc:Choice Requires="p14">
       <p:transition spd="slow" p14:dur="1600">
         <p14:prism isContent="1" isInverted="1"/>
       </p:transition>
     </mc:Choice>
-    <mc:Fallback>
+    <mc:Fallback xmlns="">
       <p:transition spd="slow">
         <p:fade/>
       </p:transition>
@@ -11949,13 +11949,13 @@
   <p:clrMapOvr>
     <a:masterClrMapping/>
   </p:clrMapOvr>
-  <mc:AlternateContent xmlns:mc="http://schemas.openxmlformats.org/markup-compatibility/2006">
-    <mc:Choice xmlns:p14="http://schemas.microsoft.com/office/powerpoint/2010/main" Requires="p14">
+  <mc:AlternateContent xmlns:mc="http://schemas.openxmlformats.org/markup-compatibility/2006" xmlns:p14="http://schemas.microsoft.com/office/powerpoint/2010/main">
+    <mc:Choice Requires="p14">
       <p:transition spd="slow" p14:dur="1200">
         <p:dissolve/>
       </p:transition>
     </mc:Choice>
-    <mc:Fallback>
+    <mc:Fallback xmlns="">
       <p:transition spd="slow">
         <p:dissolve/>
       </p:transition>
@@ -13042,13 +13042,13 @@
   <p:clrMapOvr>
     <a:masterClrMapping/>
   </p:clrMapOvr>
-  <mc:AlternateContent xmlns:mc="http://schemas.openxmlformats.org/markup-compatibility/2006">
-    <mc:Choice xmlns:p14="http://schemas.microsoft.com/office/powerpoint/2010/main" Requires="p14">
+  <mc:AlternateContent xmlns:mc="http://schemas.openxmlformats.org/markup-compatibility/2006" xmlns:p14="http://schemas.microsoft.com/office/powerpoint/2010/main">
+    <mc:Choice Requires="p14">
       <p:transition spd="slow" p14:dur="3400">
         <p14:reveal/>
       </p:transition>
     </mc:Choice>
-    <mc:Fallback>
+    <mc:Fallback xmlns="">
       <p:transition spd="slow">
         <p:fade/>
       </p:transition>
@@ -13545,7 +13545,7 @@
         </p:nvSpPr>
         <p:spPr>
           <a:xfrm>
-            <a:off x="4754880" y="1005840"/>
+            <a:off x="4729808" y="1019556"/>
             <a:ext cx="3931920" cy="1965960"/>
           </a:xfrm>
           <a:prstGeom prst="rect">
@@ -13637,8 +13637,8 @@
         </p:nvSpPr>
         <p:spPr>
           <a:xfrm>
-            <a:off x="7315200" y="1600200"/>
-            <a:ext cx="1188720" cy="274320"/>
+            <a:off x="6120580" y="1609344"/>
+            <a:ext cx="2508701" cy="274320"/>
           </a:xfrm>
           <a:prstGeom prst="rect">
             <a:avLst/>
@@ -13654,14 +13654,14 @@
               <a:buNone/>
             </a:pPr>
             <a:r>
-              <a:rPr lang="en-US" sz="1400" b="1" dirty="0">
+              <a:rPr lang="en-US" sz="1000" b="1" dirty="0">
                 <a:solidFill>
                   <a:srgbClr val="00D9FF"/>
                 </a:solidFill>
               </a:rPr>
-              <a:t>&gt;90%</a:t>
-            </a:r>
-            <a:endParaRPr lang="en-US" sz="1400" dirty="0"/>
+              <a:t>&gt;90% (Industry standard for surveillance)</a:t>
+            </a:r>
+            <a:endParaRPr lang="en-US" sz="1000" dirty="0"/>
           </a:p>
         </p:txBody>
       </p:sp>
@@ -13709,8 +13709,8 @@
         </p:nvSpPr>
         <p:spPr>
           <a:xfrm>
-            <a:off x="7315200" y="1965960"/>
-            <a:ext cx="1188720" cy="274320"/>
+            <a:off x="5884606" y="2049288"/>
+            <a:ext cx="2619314" cy="274320"/>
           </a:xfrm>
           <a:prstGeom prst="rect">
             <a:avLst/>
@@ -13726,14 +13726,14 @@
               <a:buNone/>
             </a:pPr>
             <a:r>
-              <a:rPr lang="en-US" sz="1400" b="1" dirty="0">
+              <a:rPr lang="en-US" sz="1000" b="1" dirty="0">
                 <a:solidFill>
                   <a:srgbClr val="00D9FF"/>
                 </a:solidFill>
               </a:rPr>
-              <a:t>&lt;20%</a:t>
-            </a:r>
-            <a:endParaRPr lang="en-US" sz="1400" dirty="0"/>
+              <a:t>&lt;20% (Significantly better than 30-40% manual rate)</a:t>
+            </a:r>
+            <a:endParaRPr lang="en-US" sz="1000" dirty="0"/>
           </a:p>
         </p:txBody>
       </p:sp>
@@ -13781,8 +13781,8 @@
         </p:nvSpPr>
         <p:spPr>
           <a:xfrm>
-            <a:off x="7315200" y="2331720"/>
-            <a:ext cx="1188720" cy="274320"/>
+            <a:off x="6101408" y="2338578"/>
+            <a:ext cx="1808152" cy="274320"/>
           </a:xfrm>
           <a:prstGeom prst="rect">
             <a:avLst/>
@@ -13798,14 +13798,14 @@
               <a:buNone/>
             </a:pPr>
             <a:r>
-              <a:rPr lang="en-US" sz="1400" b="1" dirty="0">
+              <a:rPr lang="en-US" sz="1000" b="1" dirty="0">
                 <a:solidFill>
                   <a:srgbClr val="00D9FF"/>
                 </a:solidFill>
               </a:rPr>
-              <a:t>&gt;20 FPS</a:t>
-            </a:r>
-            <a:endParaRPr lang="en-US" sz="1400" dirty="0"/>
+              <a:t>&gt;20 FPS (Real-time capability)</a:t>
+            </a:r>
+            <a:endParaRPr lang="en-US" sz="1000" dirty="0"/>
           </a:p>
         </p:txBody>
       </p:sp>
@@ -13853,8 +13853,8 @@
         </p:nvSpPr>
         <p:spPr>
           <a:xfrm>
-            <a:off x="7315200" y="2697480"/>
-            <a:ext cx="1188720" cy="274320"/>
+            <a:off x="6276176" y="2697480"/>
+            <a:ext cx="1712288" cy="274320"/>
           </a:xfrm>
           <a:prstGeom prst="rect">
             <a:avLst/>
@@ -13870,14 +13870,14 @@
               <a:buNone/>
             </a:pPr>
             <a:r>
-              <a:rPr lang="en-US" sz="1400" b="1" dirty="0">
+              <a:rPr lang="en-US" sz="1000" b="1" dirty="0">
                 <a:solidFill>
                   <a:srgbClr val="00D9FF"/>
                 </a:solidFill>
               </a:rPr>
-              <a:t>&lt;1 sec</a:t>
-            </a:r>
-            <a:endParaRPr lang="en-US" sz="1400" dirty="0"/>
+              <a:t>&lt;1 sec (Instant notification)</a:t>
+            </a:r>
+            <a:endParaRPr lang="en-US" sz="1000" dirty="0"/>
           </a:p>
         </p:txBody>
       </p:sp>
@@ -13942,13 +13942,13 @@
   <p:clrMapOvr>
     <a:masterClrMapping/>
   </p:clrMapOvr>
-  <mc:AlternateContent xmlns:mc="http://schemas.openxmlformats.org/markup-compatibility/2006">
-    <mc:Choice xmlns:p14="http://schemas.microsoft.com/office/powerpoint/2010/main" Requires="p14">
+  <mc:AlternateContent xmlns:mc="http://schemas.openxmlformats.org/markup-compatibility/2006" xmlns:p14="http://schemas.microsoft.com/office/powerpoint/2010/main">
+    <mc:Choice Requires="p14">
       <p:transition spd="slow" p14:dur="1400">
         <p14:doors dir="vert"/>
       </p:transition>
     </mc:Choice>
-    <mc:Fallback>
+    <mc:Fallback xmlns="">
       <p:transition spd="slow">
         <p:fade/>
       </p:transition>
@@ -14638,13 +14638,13 @@
   <p:clrMapOvr>
     <a:masterClrMapping/>
   </p:clrMapOvr>
-  <mc:AlternateContent xmlns:mc="http://schemas.openxmlformats.org/markup-compatibility/2006">
-    <mc:Choice xmlns:p14="http://schemas.microsoft.com/office/powerpoint/2010/main" Requires="p14">
+  <mc:AlternateContent xmlns:mc="http://schemas.openxmlformats.org/markup-compatibility/2006" xmlns:p14="http://schemas.microsoft.com/office/powerpoint/2010/main">
+    <mc:Choice Requires="p14">
       <p:transition spd="slow" p14:dur="3400">
         <p14:reveal/>
       </p:transition>
     </mc:Choice>
-    <mc:Fallback>
+    <mc:Fallback xmlns="">
       <p:transition spd="slow">
         <p:fade/>
       </p:transition>
@@ -15576,13 +15576,13 @@
   <p:clrMapOvr>
     <a:masterClrMapping/>
   </p:clrMapOvr>
-  <mc:AlternateContent xmlns:mc="http://schemas.openxmlformats.org/markup-compatibility/2006">
-    <mc:Choice xmlns:p159="http://schemas.microsoft.com/office/powerpoint/2015/09/main" Requires="p159">
+  <mc:AlternateContent xmlns:mc="http://schemas.openxmlformats.org/markup-compatibility/2006" xmlns:p159="http://schemas.microsoft.com/office/powerpoint/2015/09/main">
+    <mc:Choice Requires="p159">
       <p:transition xmlns:p14="http://schemas.microsoft.com/office/powerpoint/2010/main" spd="slow" p14:dur="2000">
         <p159:morph option="byObject"/>
       </p:transition>
     </mc:Choice>
-    <mc:Fallback>
+    <mc:Fallback xmlns="">
       <p:transition spd="slow">
         <p:fade/>
       </p:transition>
@@ -15989,13 +15989,13 @@
   <p:clrMapOvr>
     <a:masterClrMapping/>
   </p:clrMapOvr>
-  <mc:AlternateContent xmlns:mc="http://schemas.openxmlformats.org/markup-compatibility/2006">
-    <mc:Choice xmlns:p14="http://schemas.microsoft.com/office/powerpoint/2010/main" Requires="p14">
+  <mc:AlternateContent xmlns:mc="http://schemas.openxmlformats.org/markup-compatibility/2006" xmlns:p14="http://schemas.microsoft.com/office/powerpoint/2010/main">
+    <mc:Choice Requires="p14">
       <p:transition spd="slow" p14:dur="800">
         <p14:flythrough/>
       </p:transition>
     </mc:Choice>
-    <mc:Fallback>
+    <mc:Fallback xmlns="">
       <p:transition spd="slow">
         <p:fade/>
       </p:transition>
@@ -18263,13 +18263,13 @@
   <p:clrMapOvr>
     <a:masterClrMapping/>
   </p:clrMapOvr>
-  <mc:AlternateContent xmlns:mc="http://schemas.openxmlformats.org/markup-compatibility/2006">
-    <mc:Choice xmlns:p159="http://schemas.microsoft.com/office/powerpoint/2015/09/main" Requires="p159">
+  <mc:AlternateContent xmlns:mc="http://schemas.openxmlformats.org/markup-compatibility/2006" xmlns:p159="http://schemas.microsoft.com/office/powerpoint/2015/09/main">
+    <mc:Choice Requires="p159">
       <p:transition xmlns:p14="http://schemas.microsoft.com/office/powerpoint/2010/main" spd="slow" p14:dur="2000">
         <p159:morph option="byObject"/>
       </p:transition>
     </mc:Choice>
-    <mc:Fallback>
+    <mc:Fallback xmlns="">
       <p:transition spd="slow">
         <p:fade/>
       </p:transition>
@@ -18763,13 +18763,13 @@
   <p:clrMapOvr>
     <a:masterClrMapping/>
   </p:clrMapOvr>
-  <mc:AlternateContent xmlns:mc="http://schemas.openxmlformats.org/markup-compatibility/2006">
-    <mc:Choice xmlns:p14="http://schemas.microsoft.com/office/powerpoint/2010/main" Requires="p14">
+  <mc:AlternateContent xmlns:mc="http://schemas.openxmlformats.org/markup-compatibility/2006" xmlns:p14="http://schemas.microsoft.com/office/powerpoint/2010/main">
+    <mc:Choice Requires="p14">
       <p:transition spd="slow" p14:dur="1500">
         <p:split orient="vert"/>
       </p:transition>
     </mc:Choice>
-    <mc:Fallback>
+    <mc:Fallback xmlns="">
       <p:transition spd="slow">
         <p:split orient="vert"/>
       </p:transition>
@@ -19239,13 +19239,13 @@
   <p:clrMapOvr>
     <a:masterClrMapping/>
   </p:clrMapOvr>
-  <mc:AlternateContent xmlns:mc="http://schemas.openxmlformats.org/markup-compatibility/2006">
-    <mc:Choice xmlns:p14="http://schemas.microsoft.com/office/powerpoint/2010/main" Requires="p14">
+  <mc:AlternateContent xmlns:mc="http://schemas.openxmlformats.org/markup-compatibility/2006" xmlns:p14="http://schemas.microsoft.com/office/powerpoint/2010/main">
+    <mc:Choice Requires="p14">
       <p:transition spd="slow" p14:dur="1300">
         <p14:pan dir="u"/>
       </p:transition>
     </mc:Choice>
-    <mc:Fallback>
+    <mc:Fallback xmlns="">
       <p:transition spd="slow">
         <p:fade/>
       </p:transition>
@@ -19779,13 +19779,13 @@
   <p:clrMapOvr>
     <a:masterClrMapping/>
   </p:clrMapOvr>
-  <mc:AlternateContent xmlns:mc="http://schemas.openxmlformats.org/markup-compatibility/2006">
-    <mc:Choice xmlns:p14="http://schemas.microsoft.com/office/powerpoint/2010/main" Requires="p14">
+  <mc:AlternateContent xmlns:mc="http://schemas.openxmlformats.org/markup-compatibility/2006" xmlns:p14="http://schemas.microsoft.com/office/powerpoint/2010/main">
+    <mc:Choice Requires="p14">
       <p:transition spd="med" p14:dur="700">
         <p:fade/>
       </p:transition>
     </mc:Choice>
-    <mc:Fallback>
+    <mc:Fallback xmlns="">
       <p:transition spd="med">
         <p:fade/>
       </p:transition>
@@ -20435,13 +20435,13 @@
   <p:clrMapOvr>
     <a:masterClrMapping/>
   </p:clrMapOvr>
-  <mc:AlternateContent xmlns:mc="http://schemas.openxmlformats.org/markup-compatibility/2006">
-    <mc:Choice xmlns:p14="http://schemas.microsoft.com/office/powerpoint/2010/main" Requires="p14">
+  <mc:AlternateContent xmlns:mc="http://schemas.openxmlformats.org/markup-compatibility/2006" xmlns:p14="http://schemas.microsoft.com/office/powerpoint/2010/main">
+    <mc:Choice Requires="p14">
       <p:transition spd="slow" p14:dur="2000">
         <p14:ferris dir="l"/>
       </p:transition>
     </mc:Choice>
-    <mc:Fallback>
+    <mc:Fallback xmlns="">
       <p:transition spd="slow">
         <p:fade/>
       </p:transition>
